--- a/hackathon presentation.pptx
+++ b/hackathon presentation.pptx
@@ -356,7 +356,7 @@
           <a:p>
             <a:fld id="{ED291B17-9318-49DB-B28B-6E5994AE9581}" type="datetime1">
               <a:rPr lang="en-US" smtClean="0"/>
-              <a:t>10/20/2022</a:t>
+              <a:t>10/21/22</a:t>
             </a:fld>
             <a:endParaRPr lang="en-US" dirty="0"/>
           </a:p>
@@ -559,7 +559,7 @@
           <a:p>
             <a:fld id="{2CED4963-E985-44C4-B8C4-FDD613B7C2F8}" type="datetime1">
               <a:rPr lang="en-US" smtClean="0"/>
-              <a:t>10/20/2022</a:t>
+              <a:t>10/21/22</a:t>
             </a:fld>
             <a:endParaRPr lang="en-US" dirty="0"/>
           </a:p>
@@ -921,7 +921,7 @@
           <a:p>
             <a:fld id="{ED291B17-9318-49DB-B28B-6E5994AE9581}" type="datetime1">
               <a:rPr lang="en-US" smtClean="0"/>
-              <a:t>10/20/2022</a:t>
+              <a:t>10/21/22</a:t>
             </a:fld>
             <a:endParaRPr lang="en-US" dirty="0"/>
           </a:p>
@@ -1119,7 +1119,7 @@
           <a:p>
             <a:fld id="{78DD82B9-B8EE-4375-B6FF-88FA6ABB15D9}" type="datetime1">
               <a:rPr lang="en-US" smtClean="0"/>
-              <a:t>10/20/2022</a:t>
+              <a:t>10/21/22</a:t>
             </a:fld>
             <a:endParaRPr lang="en-US" dirty="0"/>
           </a:p>
@@ -1431,7 +1431,7 @@
           <a:p>
             <a:fld id="{B2497495-0637-405E-AE64-5CC7506D51F5}" type="datetime1">
               <a:rPr lang="en-US" smtClean="0"/>
-              <a:t>10/20/2022</a:t>
+              <a:t>10/21/22</a:t>
             </a:fld>
             <a:endParaRPr lang="en-US" dirty="0"/>
           </a:p>
@@ -1684,7 +1684,7 @@
           <a:p>
             <a:fld id="{7BFFD690-9426-415D-8B65-26881E07B2D4}" type="datetime1">
               <a:rPr lang="en-US" smtClean="0"/>
-              <a:t>10/20/2022</a:t>
+              <a:t>10/21/22</a:t>
             </a:fld>
             <a:endParaRPr lang="en-US" dirty="0"/>
           </a:p>
@@ -2106,7 +2106,7 @@
           <a:p>
             <a:fld id="{04C4989A-474C-40DE-95B9-011C28B71673}" type="datetime1">
               <a:rPr lang="en-US" smtClean="0"/>
-              <a:t>10/20/2022</a:t>
+              <a:t>10/21/22</a:t>
             </a:fld>
             <a:endParaRPr lang="en-US" dirty="0"/>
           </a:p>
@@ -2229,7 +2229,7 @@
           <a:p>
             <a:fld id="{5DB4ED54-5B5E-4A04-93D3-5772E3CE3818}" type="datetime1">
               <a:rPr lang="en-US" smtClean="0"/>
-              <a:t>10/20/2022</a:t>
+              <a:t>10/21/22</a:t>
             </a:fld>
             <a:endParaRPr lang="en-US" dirty="0"/>
           </a:p>
@@ -2324,7 +2324,7 @@
           <a:p>
             <a:fld id="{4EDE50D6-574B-40AF-946F-D52A04ADE379}" type="datetime1">
               <a:rPr lang="en-US" smtClean="0"/>
-              <a:t>10/20/2022</a:t>
+              <a:t>10/21/22</a:t>
             </a:fld>
             <a:endParaRPr lang="en-US" dirty="0"/>
           </a:p>
@@ -2701,7 +2701,7 @@
           <a:p>
             <a:fld id="{D82884F1-FFEA-405F-9602-3DCA865EDA4E}" type="datetime1">
               <a:rPr lang="en-US" smtClean="0"/>
-              <a:t>10/20/2022</a:t>
+              <a:t>10/21/22</a:t>
             </a:fld>
             <a:endParaRPr lang="en-US" dirty="0"/>
           </a:p>
@@ -2994,7 +2994,7 @@
           <a:p>
             <a:fld id="{7E18DB4A-8810-4A10-AD5C-D5E2C667F5B3}" type="datetime1">
               <a:rPr lang="en-US" smtClean="0"/>
-              <a:t>10/20/2022</a:t>
+              <a:t>10/21/22</a:t>
             </a:fld>
             <a:endParaRPr lang="en-US" dirty="0"/>
           </a:p>
@@ -3209,7 +3209,7 @@
           <a:p>
             <a:fld id="{ED291B17-9318-49DB-B28B-6E5994AE9581}" type="datetime1">
               <a:rPr lang="en-US" smtClean="0"/>
-              <a:t>10/20/2022</a:t>
+              <a:t>10/21/22</a:t>
             </a:fld>
             <a:endParaRPr lang="en-US" dirty="0"/>
           </a:p>
@@ -5875,10 +5875,15 @@
             <p:ph idx="1"/>
           </p:nvPr>
         </p:nvSpPr>
-        <p:spPr/>
+        <p:spPr>
+          <a:xfrm>
+            <a:off x="581192" y="2062716"/>
+            <a:ext cx="11029615" cy="3912634"/>
+          </a:xfrm>
+        </p:spPr>
         <p:txBody>
           <a:bodyPr>
-            <a:normAutofit fontScale="92500" lnSpcReduction="10000"/>
+            <a:normAutofit fontScale="92500" lnSpcReduction="20000"/>
           </a:bodyPr>
           <a:lstStyle/>
           <a:p>
@@ -5945,7 +5950,16 @@
             </a:r>
           </a:p>
           <a:p>
-            <a:endParaRPr lang="en-US" dirty="0"/>
+            <a:r>
+              <a:rPr lang="en-US" dirty="0"/>
+              <a:t>Obstacles and life events that would lead to increased stress</a:t>
+            </a:r>
+          </a:p>
+          <a:p>
+            <a:r>
+              <a:rPr lang="en-US" dirty="0"/>
+              <a:t>Add a clean intro/ending game screen</a:t>
+            </a:r>
           </a:p>
         </p:txBody>
       </p:sp>
@@ -6232,21 +6246,21 @@
 </file>
 
 <file path=customXml/item1.xml><?xml version="1.0" encoding="utf-8"?>
+<?mso-contentType ?>
+<FormTemplates xmlns="http://schemas.microsoft.com/sharepoint/v3/contenttype/forms">
+  <Display>DocumentLibraryForm</Display>
+  <Edit>DocumentLibraryForm</Edit>
+  <New>DocumentLibraryForm</New>
+</FormTemplates>
+</file>
+
+<file path=customXml/item2.xml><?xml version="1.0" encoding="utf-8"?>
 <p:properties xmlns:p="http://schemas.microsoft.com/office/2006/metadata/properties" xmlns:xsi="http://www.w3.org/2001/XMLSchema-instance" xmlns:pc="http://schemas.microsoft.com/office/infopath/2007/PartnerControls">
   <documentManagement>
     <Status xmlns="71af3243-3dd4-4a8d-8c0d-dd76da1f02a5">Not started</Status>
     <MediaServiceKeyPoints xmlns="71af3243-3dd4-4a8d-8c0d-dd76da1f02a5" xsi:nil="true"/>
   </documentManagement>
 </p:properties>
-</file>
-
-<file path=customXml/item2.xml><?xml version="1.0" encoding="utf-8"?>
-<?mso-contentType ?>
-<FormTemplates xmlns="http://schemas.microsoft.com/sharepoint/v3/contenttype/forms">
-  <Display>DocumentLibraryForm</Display>
-  <Edit>DocumentLibraryForm</Edit>
-  <New>DocumentLibraryForm</New>
-</FormTemplates>
 </file>
 
 <file path=customXml/item3.xml><?xml version="1.0" encoding="utf-8"?>
@@ -6471,19 +6485,19 @@
 </file>
 
 <file path=customXml/itemProps1.xml><?xml version="1.0" encoding="utf-8"?>
+<ds:datastoreItem xmlns:ds="http://schemas.openxmlformats.org/officeDocument/2006/customXml" ds:itemID="{927BD4C1-B6B1-4715-ABF9-E660A51A4EA0}">
+  <ds:schemaRefs>
+    <ds:schemaRef ds:uri="http://schemas.microsoft.com/sharepoint/v3/contenttype/forms"/>
+  </ds:schemaRefs>
+</ds:datastoreItem>
+</file>
+
+<file path=customXml/itemProps2.xml><?xml version="1.0" encoding="utf-8"?>
 <ds:datastoreItem xmlns:ds="http://schemas.openxmlformats.org/officeDocument/2006/customXml" ds:itemID="{8D289AE2-D2AE-49D1-AFAC-3A79F6794255}">
   <ds:schemaRefs>
     <ds:schemaRef ds:uri="http://schemas.microsoft.com/office/2006/metadata/properties"/>
     <ds:schemaRef ds:uri="http://schemas.microsoft.com/office/infopath/2007/PartnerControls"/>
     <ds:schemaRef ds:uri="71af3243-3dd4-4a8d-8c0d-dd76da1f02a5"/>
-  </ds:schemaRefs>
-</ds:datastoreItem>
-</file>
-
-<file path=customXml/itemProps2.xml><?xml version="1.0" encoding="utf-8"?>
-<ds:datastoreItem xmlns:ds="http://schemas.openxmlformats.org/officeDocument/2006/customXml" ds:itemID="{927BD4C1-B6B1-4715-ABF9-E660A51A4EA0}">
-  <ds:schemaRefs>
-    <ds:schemaRef ds:uri="http://schemas.microsoft.com/sharepoint/v3/contenttype/forms"/>
   </ds:schemaRefs>
 </ds:datastoreItem>
 </file>
